--- a/sprint3_retrieval/module3_retrieval.pptx
+++ b/sprint3_retrieval/module3_retrieval.pptx
@@ -302,7 +302,7 @@
           <a:p>
             <a:fld id="{72ED09F7-DFA5-7F4B-8B47-DAE36D9161CE}" type="datetimeFigureOut">
               <a:rPr lang="en-US" smtClean="0"/>
-              <a:t>3/26/20</a:t>
+              <a:t>3/29/20</a:t>
             </a:fld>
             <a:endParaRPr lang="en-US"/>
           </a:p>
@@ -500,7 +500,7 @@
           <a:p>
             <a:fld id="{72ED09F7-DFA5-7F4B-8B47-DAE36D9161CE}" type="datetimeFigureOut">
               <a:rPr lang="en-US" smtClean="0"/>
-              <a:t>3/26/20</a:t>
+              <a:t>3/29/20</a:t>
             </a:fld>
             <a:endParaRPr lang="en-US"/>
           </a:p>
@@ -708,7 +708,7 @@
           <a:p>
             <a:fld id="{72ED09F7-DFA5-7F4B-8B47-DAE36D9161CE}" type="datetimeFigureOut">
               <a:rPr lang="en-US" smtClean="0"/>
-              <a:t>3/26/20</a:t>
+              <a:t>3/29/20</a:t>
             </a:fld>
             <a:endParaRPr lang="en-US"/>
           </a:p>
@@ -906,7 +906,7 @@
           <a:p>
             <a:fld id="{72ED09F7-DFA5-7F4B-8B47-DAE36D9161CE}" type="datetimeFigureOut">
               <a:rPr lang="en-US" smtClean="0"/>
-              <a:t>3/26/20</a:t>
+              <a:t>3/29/20</a:t>
             </a:fld>
             <a:endParaRPr lang="en-US"/>
           </a:p>
@@ -1181,7 +1181,7 @@
           <a:p>
             <a:fld id="{72ED09F7-DFA5-7F4B-8B47-DAE36D9161CE}" type="datetimeFigureOut">
               <a:rPr lang="en-US" smtClean="0"/>
-              <a:t>3/26/20</a:t>
+              <a:t>3/29/20</a:t>
             </a:fld>
             <a:endParaRPr lang="en-US"/>
           </a:p>
@@ -1446,7 +1446,7 @@
           <a:p>
             <a:fld id="{72ED09F7-DFA5-7F4B-8B47-DAE36D9161CE}" type="datetimeFigureOut">
               <a:rPr lang="en-US" smtClean="0"/>
-              <a:t>3/26/20</a:t>
+              <a:t>3/29/20</a:t>
             </a:fld>
             <a:endParaRPr lang="en-US"/>
           </a:p>
@@ -1858,7 +1858,7 @@
           <a:p>
             <a:fld id="{72ED09F7-DFA5-7F4B-8B47-DAE36D9161CE}" type="datetimeFigureOut">
               <a:rPr lang="en-US" smtClean="0"/>
-              <a:t>3/26/20</a:t>
+              <a:t>3/29/20</a:t>
             </a:fld>
             <a:endParaRPr lang="en-US"/>
           </a:p>
@@ -1999,7 +1999,7 @@
           <a:p>
             <a:fld id="{72ED09F7-DFA5-7F4B-8B47-DAE36D9161CE}" type="datetimeFigureOut">
               <a:rPr lang="en-US" smtClean="0"/>
-              <a:t>3/26/20</a:t>
+              <a:t>3/29/20</a:t>
             </a:fld>
             <a:endParaRPr lang="en-US"/>
           </a:p>
@@ -2112,7 +2112,7 @@
           <a:p>
             <a:fld id="{72ED09F7-DFA5-7F4B-8B47-DAE36D9161CE}" type="datetimeFigureOut">
               <a:rPr lang="en-US" smtClean="0"/>
-              <a:t>3/26/20</a:t>
+              <a:t>3/29/20</a:t>
             </a:fld>
             <a:endParaRPr lang="en-US"/>
           </a:p>
@@ -2423,7 +2423,7 @@
           <a:p>
             <a:fld id="{72ED09F7-DFA5-7F4B-8B47-DAE36D9161CE}" type="datetimeFigureOut">
               <a:rPr lang="en-US" smtClean="0"/>
-              <a:t>3/26/20</a:t>
+              <a:t>3/29/20</a:t>
             </a:fld>
             <a:endParaRPr lang="en-US"/>
           </a:p>
@@ -2711,7 +2711,7 @@
           <a:p>
             <a:fld id="{72ED09F7-DFA5-7F4B-8B47-DAE36D9161CE}" type="datetimeFigureOut">
               <a:rPr lang="en-US" smtClean="0"/>
-              <a:t>3/26/20</a:t>
+              <a:t>3/29/20</a:t>
             </a:fld>
             <a:endParaRPr lang="en-US"/>
           </a:p>
@@ -2952,7 +2952,7 @@
           <a:p>
             <a:fld id="{72ED09F7-DFA5-7F4B-8B47-DAE36D9161CE}" type="datetimeFigureOut">
               <a:rPr lang="en-US" smtClean="0"/>
-              <a:t>3/26/20</a:t>
+              <a:t>3/29/20</a:t>
             </a:fld>
             <a:endParaRPr lang="en-US"/>
           </a:p>
@@ -4046,8 +4046,8 @@
           </a:p>
         </p:txBody>
       </p:sp>
-      <mc:AlternateContent xmlns:mc="http://schemas.openxmlformats.org/markup-compatibility/2006">
-        <mc:Choice xmlns:a14="http://schemas.microsoft.com/office/drawing/2010/main" Requires="a14">
+      <mc:AlternateContent xmlns:mc="http://schemas.openxmlformats.org/markup-compatibility/2006" xmlns:a14="http://schemas.microsoft.com/office/drawing/2010/main">
+        <mc:Choice Requires="a14">
           <p:sp>
             <p:nvSpPr>
               <p:cNvPr id="22" name="ZoneTexte 21"/>
@@ -4207,7 +4207,7 @@
             </p:txBody>
           </p:sp>
         </mc:Choice>
-        <mc:Fallback>
+        <mc:Fallback xmlns="">
           <p:sp>
             <p:nvSpPr>
               <p:cNvPr id="22" name="ZoneTexte 21"/>
@@ -17856,7 +17856,15 @@
             </a:r>
             <a:r>
               <a:rPr lang="en-US" dirty="0"/>
-              <a:t>Identify and retrieve the closest document in a corpus to a document of interest</a:t>
+              <a:t>Identify and retrieve the closest object in a set to a </a:t>
+            </a:r>
+            <a:r>
+              <a:rPr lang="en-US"/>
+              <a:t>query object </a:t>
+            </a:r>
+            <a:r>
+              <a:rPr lang="en-US" dirty="0"/>
+              <a:t>of interest</a:t>
             </a:r>
           </a:p>
         </p:txBody>

--- a/sprint3_retrieval/module3_retrieval.pptx
+++ b/sprint3_retrieval/module3_retrieval.pptx
@@ -302,7 +302,7 @@
           <a:p>
             <a:fld id="{72ED09F7-DFA5-7F4B-8B47-DAE36D9161CE}" type="datetimeFigureOut">
               <a:rPr lang="en-US" smtClean="0"/>
-              <a:t>3/29/20</a:t>
+              <a:t>4/3/20</a:t>
             </a:fld>
             <a:endParaRPr lang="en-US"/>
           </a:p>
@@ -500,7 +500,7 @@
           <a:p>
             <a:fld id="{72ED09F7-DFA5-7F4B-8B47-DAE36D9161CE}" type="datetimeFigureOut">
               <a:rPr lang="en-US" smtClean="0"/>
-              <a:t>3/29/20</a:t>
+              <a:t>4/3/20</a:t>
             </a:fld>
             <a:endParaRPr lang="en-US"/>
           </a:p>
@@ -708,7 +708,7 @@
           <a:p>
             <a:fld id="{72ED09F7-DFA5-7F4B-8B47-DAE36D9161CE}" type="datetimeFigureOut">
               <a:rPr lang="en-US" smtClean="0"/>
-              <a:t>3/29/20</a:t>
+              <a:t>4/3/20</a:t>
             </a:fld>
             <a:endParaRPr lang="en-US"/>
           </a:p>
@@ -906,7 +906,7 @@
           <a:p>
             <a:fld id="{72ED09F7-DFA5-7F4B-8B47-DAE36D9161CE}" type="datetimeFigureOut">
               <a:rPr lang="en-US" smtClean="0"/>
-              <a:t>3/29/20</a:t>
+              <a:t>4/3/20</a:t>
             </a:fld>
             <a:endParaRPr lang="en-US"/>
           </a:p>
@@ -1181,7 +1181,7 @@
           <a:p>
             <a:fld id="{72ED09F7-DFA5-7F4B-8B47-DAE36D9161CE}" type="datetimeFigureOut">
               <a:rPr lang="en-US" smtClean="0"/>
-              <a:t>3/29/20</a:t>
+              <a:t>4/3/20</a:t>
             </a:fld>
             <a:endParaRPr lang="en-US"/>
           </a:p>
@@ -1446,7 +1446,7 @@
           <a:p>
             <a:fld id="{72ED09F7-DFA5-7F4B-8B47-DAE36D9161CE}" type="datetimeFigureOut">
               <a:rPr lang="en-US" smtClean="0"/>
-              <a:t>3/29/20</a:t>
+              <a:t>4/3/20</a:t>
             </a:fld>
             <a:endParaRPr lang="en-US"/>
           </a:p>
@@ -1858,7 +1858,7 @@
           <a:p>
             <a:fld id="{72ED09F7-DFA5-7F4B-8B47-DAE36D9161CE}" type="datetimeFigureOut">
               <a:rPr lang="en-US" smtClean="0"/>
-              <a:t>3/29/20</a:t>
+              <a:t>4/3/20</a:t>
             </a:fld>
             <a:endParaRPr lang="en-US"/>
           </a:p>
@@ -1999,7 +1999,7 @@
           <a:p>
             <a:fld id="{72ED09F7-DFA5-7F4B-8B47-DAE36D9161CE}" type="datetimeFigureOut">
               <a:rPr lang="en-US" smtClean="0"/>
-              <a:t>3/29/20</a:t>
+              <a:t>4/3/20</a:t>
             </a:fld>
             <a:endParaRPr lang="en-US"/>
           </a:p>
@@ -2112,7 +2112,7 @@
           <a:p>
             <a:fld id="{72ED09F7-DFA5-7F4B-8B47-DAE36D9161CE}" type="datetimeFigureOut">
               <a:rPr lang="en-US" smtClean="0"/>
-              <a:t>3/29/20</a:t>
+              <a:t>4/3/20</a:t>
             </a:fld>
             <a:endParaRPr lang="en-US"/>
           </a:p>
@@ -2423,7 +2423,7 @@
           <a:p>
             <a:fld id="{72ED09F7-DFA5-7F4B-8B47-DAE36D9161CE}" type="datetimeFigureOut">
               <a:rPr lang="en-US" smtClean="0"/>
-              <a:t>3/29/20</a:t>
+              <a:t>4/3/20</a:t>
             </a:fld>
             <a:endParaRPr lang="en-US"/>
           </a:p>
@@ -2711,7 +2711,7 @@
           <a:p>
             <a:fld id="{72ED09F7-DFA5-7F4B-8B47-DAE36D9161CE}" type="datetimeFigureOut">
               <a:rPr lang="en-US" smtClean="0"/>
-              <a:t>3/29/20</a:t>
+              <a:t>4/3/20</a:t>
             </a:fld>
             <a:endParaRPr lang="en-US"/>
           </a:p>
@@ -2952,7 +2952,7 @@
           <a:p>
             <a:fld id="{72ED09F7-DFA5-7F4B-8B47-DAE36D9161CE}" type="datetimeFigureOut">
               <a:rPr lang="en-US" smtClean="0"/>
-              <a:t>3/29/20</a:t>
+              <a:t>4/3/20</a:t>
             </a:fld>
             <a:endParaRPr lang="en-US"/>
           </a:p>
@@ -30860,7 +30860,15 @@
             </a:r>
             <a:r>
               <a:rPr lang="fr-FR" sz="2400" dirty="0"/>
-              <a:t> all documents </a:t>
+              <a:t> </a:t>
+            </a:r>
+            <a:r>
+              <a:rPr lang="fr-FR" sz="2400" dirty="0" err="1"/>
+              <a:t>another</a:t>
+            </a:r>
+            <a:r>
+              <a:rPr lang="fr-FR" sz="2400" dirty="0"/>
+              <a:t> document </a:t>
             </a:r>
             <a:r>
               <a:rPr lang="fr-FR" sz="2400" dirty="0" err="1"/>
@@ -30868,7 +30876,15 @@
             </a:r>
             <a:r>
               <a:rPr lang="fr-FR" sz="2400" dirty="0"/>
-              <a:t> are on </a:t>
+              <a:t> </a:t>
+            </a:r>
+            <a:r>
+              <a:rPr lang="fr-FR" sz="2400" dirty="0" err="1"/>
+              <a:t>is</a:t>
+            </a:r>
+            <a:r>
+              <a:rPr lang="fr-FR" sz="2400" dirty="0"/>
+              <a:t> on </a:t>
             </a:r>
             <a:r>
               <a:rPr lang="fr-FR" sz="2400" dirty="0" err="1"/>

--- a/sprint3_retrieval/module3_retrieval.pptx
+++ b/sprint3_retrieval/module3_retrieval.pptx
@@ -302,7 +302,7 @@
           <a:p>
             <a:fld id="{72ED09F7-DFA5-7F4B-8B47-DAE36D9161CE}" type="datetimeFigureOut">
               <a:rPr lang="en-US" smtClean="0"/>
-              <a:t>4/3/20</a:t>
+              <a:t>4/28/20</a:t>
             </a:fld>
             <a:endParaRPr lang="en-US"/>
           </a:p>
@@ -500,7 +500,7 @@
           <a:p>
             <a:fld id="{72ED09F7-DFA5-7F4B-8B47-DAE36D9161CE}" type="datetimeFigureOut">
               <a:rPr lang="en-US" smtClean="0"/>
-              <a:t>4/3/20</a:t>
+              <a:t>4/28/20</a:t>
             </a:fld>
             <a:endParaRPr lang="en-US"/>
           </a:p>
@@ -708,7 +708,7 @@
           <a:p>
             <a:fld id="{72ED09F7-DFA5-7F4B-8B47-DAE36D9161CE}" type="datetimeFigureOut">
               <a:rPr lang="en-US" smtClean="0"/>
-              <a:t>4/3/20</a:t>
+              <a:t>4/28/20</a:t>
             </a:fld>
             <a:endParaRPr lang="en-US"/>
           </a:p>
@@ -906,7 +906,7 @@
           <a:p>
             <a:fld id="{72ED09F7-DFA5-7F4B-8B47-DAE36D9161CE}" type="datetimeFigureOut">
               <a:rPr lang="en-US" smtClean="0"/>
-              <a:t>4/3/20</a:t>
+              <a:t>4/28/20</a:t>
             </a:fld>
             <a:endParaRPr lang="en-US"/>
           </a:p>
@@ -1181,7 +1181,7 @@
           <a:p>
             <a:fld id="{72ED09F7-DFA5-7F4B-8B47-DAE36D9161CE}" type="datetimeFigureOut">
               <a:rPr lang="en-US" smtClean="0"/>
-              <a:t>4/3/20</a:t>
+              <a:t>4/28/20</a:t>
             </a:fld>
             <a:endParaRPr lang="en-US"/>
           </a:p>
@@ -1446,7 +1446,7 @@
           <a:p>
             <a:fld id="{72ED09F7-DFA5-7F4B-8B47-DAE36D9161CE}" type="datetimeFigureOut">
               <a:rPr lang="en-US" smtClean="0"/>
-              <a:t>4/3/20</a:t>
+              <a:t>4/28/20</a:t>
             </a:fld>
             <a:endParaRPr lang="en-US"/>
           </a:p>
@@ -1858,7 +1858,7 @@
           <a:p>
             <a:fld id="{72ED09F7-DFA5-7F4B-8B47-DAE36D9161CE}" type="datetimeFigureOut">
               <a:rPr lang="en-US" smtClean="0"/>
-              <a:t>4/3/20</a:t>
+              <a:t>4/28/20</a:t>
             </a:fld>
             <a:endParaRPr lang="en-US"/>
           </a:p>
@@ -1999,7 +1999,7 @@
           <a:p>
             <a:fld id="{72ED09F7-DFA5-7F4B-8B47-DAE36D9161CE}" type="datetimeFigureOut">
               <a:rPr lang="en-US" smtClean="0"/>
-              <a:t>4/3/20</a:t>
+              <a:t>4/28/20</a:t>
             </a:fld>
             <a:endParaRPr lang="en-US"/>
           </a:p>
@@ -2112,7 +2112,7 @@
           <a:p>
             <a:fld id="{72ED09F7-DFA5-7F4B-8B47-DAE36D9161CE}" type="datetimeFigureOut">
               <a:rPr lang="en-US" smtClean="0"/>
-              <a:t>4/3/20</a:t>
+              <a:t>4/28/20</a:t>
             </a:fld>
             <a:endParaRPr lang="en-US"/>
           </a:p>
@@ -2423,7 +2423,7 @@
           <a:p>
             <a:fld id="{72ED09F7-DFA5-7F4B-8B47-DAE36D9161CE}" type="datetimeFigureOut">
               <a:rPr lang="en-US" smtClean="0"/>
-              <a:t>4/3/20</a:t>
+              <a:t>4/28/20</a:t>
             </a:fld>
             <a:endParaRPr lang="en-US"/>
           </a:p>
@@ -2711,7 +2711,7 @@
           <a:p>
             <a:fld id="{72ED09F7-DFA5-7F4B-8B47-DAE36D9161CE}" type="datetimeFigureOut">
               <a:rPr lang="en-US" smtClean="0"/>
-              <a:t>4/3/20</a:t>
+              <a:t>4/28/20</a:t>
             </a:fld>
             <a:endParaRPr lang="en-US"/>
           </a:p>
@@ -2952,7 +2952,7 @@
           <a:p>
             <a:fld id="{72ED09F7-DFA5-7F4B-8B47-DAE36D9161CE}" type="datetimeFigureOut">
               <a:rPr lang="en-US" smtClean="0"/>
-              <a:t>4/3/20</a:t>
+              <a:t>4/28/20</a:t>
             </a:fld>
             <a:endParaRPr lang="en-US"/>
           </a:p>
@@ -14539,7 +14539,7 @@
         </p:spPr>
         <p:txBody>
           <a:bodyPr vert="horz" lIns="121920" tIns="60960" rIns="121920" bIns="60960" rtlCol="0">
-            <a:normAutofit fontScale="92500" lnSpcReduction="10000"/>
+            <a:normAutofit/>
           </a:bodyPr>
           <a:lstStyle>
             <a:lvl1pPr marL="342900" indent="-342900" algn="l" defTabSz="914400" rtl="0" eaLnBrk="1" latinLnBrk="0" hangingPunct="1">
@@ -14768,45 +14768,6 @@
               <a:buNone/>
             </a:pPr>
             <a:endParaRPr lang="en-US" sz="2400" dirty="0"/>
-          </a:p>
-          <a:p>
-            <a:pPr marL="0" indent="0">
-              <a:buNone/>
-            </a:pPr>
-            <a:r>
-              <a:rPr lang="en-US" sz="2400" dirty="0" err="1"/>
-              <a:t>Dist</a:t>
-            </a:r>
-            <a:r>
-              <a:rPr lang="en-US" sz="2400" dirty="0"/>
-              <a:t> Doc1 - Doc2=</a:t>
-            </a:r>
-          </a:p>
-          <a:p>
-            <a:pPr marL="0" indent="0">
-              <a:buNone/>
-            </a:pPr>
-            <a:r>
-              <a:rPr lang="en-US" sz="2400" dirty="0" err="1"/>
-              <a:t>Dist</a:t>
-            </a:r>
-            <a:r>
-              <a:rPr lang="en-US" sz="2400" dirty="0"/>
-              <a:t> Doc1 - Doc3=</a:t>
-            </a:r>
-          </a:p>
-          <a:p>
-            <a:pPr marL="0" indent="0">
-              <a:buNone/>
-            </a:pPr>
-            <a:r>
-              <a:rPr lang="en-US" sz="2400" dirty="0" err="1"/>
-              <a:t>Dist</a:t>
-            </a:r>
-            <a:r>
-              <a:rPr lang="en-US" sz="2400" dirty="0"/>
-              <a:t> Doc2 - Doc3=</a:t>
-            </a:r>
           </a:p>
           <a:p>
             <a:pPr marL="0" indent="0">
@@ -15284,10 +15245,7 @@
             <a:pPr marL="0" indent="0">
               <a:buNone/>
             </a:pPr>
-            <a:r>
-              <a:rPr lang="en-US" sz="2400" dirty="0"/>
-              <a:t>Some features vary more than others.</a:t>
-            </a:r>
+            <a:endParaRPr lang="en-US" sz="2400" dirty="0"/>
           </a:p>
           <a:p>
             <a:pPr marL="0" indent="0">
@@ -18961,7 +18919,12 @@
             <p:ph type="title"/>
           </p:nvPr>
         </p:nvSpPr>
-        <p:spPr/>
+        <p:spPr>
+          <a:xfrm>
+            <a:off x="214745" y="0"/>
+            <a:ext cx="10515600" cy="1325563"/>
+          </a:xfrm>
+        </p:spPr>
         <p:txBody>
           <a:bodyPr/>
           <a:lstStyle/>
@@ -28615,8 +28578,21 @@
                   <a:schemeClr val="bg1"/>
                 </a:solidFill>
               </a:rPr>
-              <a:t>A. Ponsero 11-21-19</a:t>
-            </a:r>
+              <a:t>Sprint 3 - </a:t>
+            </a:r>
+            <a:r>
+              <a:rPr lang="fr-FR" sz="2133" dirty="0" err="1">
+                <a:solidFill>
+                  <a:schemeClr val="bg1"/>
+                </a:solidFill>
+              </a:rPr>
+              <a:t>Retrieval</a:t>
+            </a:r>
+            <a:endParaRPr lang="fr-FR" sz="2133" dirty="0">
+              <a:solidFill>
+                <a:schemeClr val="bg1"/>
+              </a:solidFill>
+            </a:endParaRPr>
           </a:p>
         </p:txBody>
       </p:sp>
@@ -30439,7 +30415,7 @@
         </p:nvSpPr>
         <p:spPr>
           <a:xfrm>
-            <a:off x="1079500" y="4025899"/>
+            <a:off x="1079500" y="3291608"/>
             <a:ext cx="10515600" cy="1876137"/>
           </a:xfrm>
         </p:spPr>
@@ -30503,7 +30479,7 @@
         <p:spPr>
           <a:xfrm>
             <a:off x="990600" y="1625600"/>
-            <a:ext cx="4673600" cy="1384995"/>
+            <a:ext cx="6823364" cy="954107"/>
           </a:xfrm>
           <a:prstGeom prst="rect">
             <a:avLst/>

--- a/sprint3_retrieval/module3_retrieval.pptx
+++ b/sprint3_retrieval/module3_retrieval.pptx
@@ -18687,7 +18687,12 @@
             <p:ph type="title"/>
           </p:nvPr>
         </p:nvSpPr>
-        <p:spPr/>
+        <p:spPr>
+          <a:xfrm>
+            <a:off x="284019" y="0"/>
+            <a:ext cx="10515600" cy="1325563"/>
+          </a:xfrm>
+        </p:spPr>
         <p:txBody>
           <a:bodyPr/>
           <a:lstStyle/>
@@ -18715,20 +18720,66 @@
             <p:ph idx="1"/>
           </p:nvPr>
         </p:nvSpPr>
-        <p:spPr/>
+        <p:spPr>
+          <a:xfrm>
+            <a:off x="1122218" y="1409989"/>
+            <a:ext cx="10231582" cy="4351338"/>
+          </a:xfrm>
+        </p:spPr>
         <p:txBody>
-          <a:bodyPr/>
+          <a:bodyPr>
+            <a:normAutofit fontScale="92500" lnSpcReduction="10000"/>
+          </a:bodyPr>
           <a:lstStyle/>
           <a:p>
             <a:r>
               <a:rPr lang="en-US" dirty="0"/>
-              <a:t>Make a video recap of the </a:t>
-            </a:r>
-            <a:r>
-              <a:rPr lang="en-US" dirty="0" err="1"/>
-              <a:t>algo</a:t>
-            </a:r>
+              <a:t>Initialize K to your chosen number of neighbors</a:t>
+            </a:r>
+          </a:p>
+          <a:p>
             <a:endParaRPr lang="en-US" dirty="0"/>
+          </a:p>
+          <a:p>
+            <a:r>
+              <a:rPr lang="en-US" dirty="0"/>
+              <a:t>For each example in the data</a:t>
+            </a:r>
+          </a:p>
+          <a:p>
+            <a:pPr lvl="1"/>
+            <a:r>
+              <a:rPr lang="en-US" dirty="0"/>
+              <a:t>Calculate the distance between the query example and the current example from the data.</a:t>
+            </a:r>
+          </a:p>
+          <a:p>
+            <a:pPr lvl="1"/>
+            <a:r>
+              <a:rPr lang="en-US" dirty="0"/>
+              <a:t>Add the distance and the index of the example to an ordered collection</a:t>
+            </a:r>
+          </a:p>
+          <a:p>
+            <a:pPr marL="457200" lvl="1" indent="0">
+              <a:buNone/>
+            </a:pPr>
+            <a:endParaRPr lang="en-US" dirty="0"/>
+          </a:p>
+          <a:p>
+            <a:r>
+              <a:rPr lang="en-US" dirty="0"/>
+              <a:t>Sort the ordered collection of distances and indices from smallest to largest (in ascending order) by the distances</a:t>
+            </a:r>
+          </a:p>
+          <a:p>
+            <a:endParaRPr lang="en-US" dirty="0"/>
+          </a:p>
+          <a:p>
+            <a:r>
+              <a:rPr lang="en-US" dirty="0"/>
+              <a:t>Pick the first K entries from the sorted collection</a:t>
+            </a:r>
           </a:p>
         </p:txBody>
       </p:sp>
@@ -21554,11 +21605,17 @@
           <p:cNvGraphicFramePr>
             <a:graphicFrameLocks noGrp="1"/>
           </p:cNvGraphicFramePr>
-          <p:nvPr/>
+          <p:nvPr>
+            <p:extLst>
+              <p:ext uri="{D42A27DB-BD31-4B8C-83A1-F6EECF244321}">
+                <p14:modId xmlns:p14="http://schemas.microsoft.com/office/powerpoint/2010/main" val="938857863"/>
+              </p:ext>
+            </p:extLst>
+          </p:nvPr>
         </p:nvGraphicFramePr>
         <p:xfrm>
-          <a:off x="6509288" y="2204017"/>
-          <a:ext cx="3161654" cy="1112520"/>
+          <a:off x="6509289" y="2204017"/>
+          <a:ext cx="4144857" cy="1112520"/>
         </p:xfrm>
         <a:graphic>
           <a:graphicData uri="http://schemas.openxmlformats.org/drawingml/2006/table">
@@ -21567,14 +21624,21 @@
                 <a:tableStyleId>{5C22544A-7EE6-4342-B048-85BDC9FD1C3A}</a:tableStyleId>
               </a:tblPr>
               <a:tblGrid>
-                <a:gridCol w="1348353">
+                <a:gridCol w="1123373">
                   <a:extLst>
                     <a:ext uri="{9D8B030D-6E8A-4147-A177-3AD203B41FA5}">
                       <a16:colId xmlns:a16="http://schemas.microsoft.com/office/drawing/2014/main" val="1518476231"/>
                     </a:ext>
                   </a:extLst>
                 </a:gridCol>
-                <a:gridCol w="1813301">
+                <a:gridCol w="1510742">
+                  <a:extLst>
+                    <a:ext uri="{9D8B030D-6E8A-4147-A177-3AD203B41FA5}">
+                      <a16:colId xmlns:a16="http://schemas.microsoft.com/office/drawing/2014/main" val="2809815385"/>
+                    </a:ext>
+                  </a:extLst>
+                </a:gridCol>
+                <a:gridCol w="1510742">
                   <a:extLst>
                     <a:ext uri="{9D8B030D-6E8A-4147-A177-3AD203B41FA5}">
                       <a16:colId xmlns:a16="http://schemas.microsoft.com/office/drawing/2014/main" val="1524969591"/>
@@ -21588,6 +21652,7 @@
                     <a:bodyPr/>
                     <a:lstStyle/>
                     <a:p>
+                      <a:pPr algn="ctr"/>
                       <a:r>
                         <a:rPr lang="en-US" dirty="0"/>
                         <a:t>Bin index</a:t>
@@ -21601,6 +21666,21 @@
                     <a:bodyPr/>
                     <a:lstStyle/>
                     <a:p>
+                      <a:pPr algn="ctr"/>
+                      <a:r>
+                        <a:rPr lang="en-US" dirty="0"/>
+                        <a:t>Score</a:t>
+                      </a:r>
+                    </a:p>
+                  </a:txBody>
+                  <a:tcPr/>
+                </a:tc>
+                <a:tc>
+                  <a:txBody>
+                    <a:bodyPr/>
+                    <a:lstStyle/>
+                    <a:p>
+                      <a:pPr algn="ctr"/>
                       <a:r>
                         <a:rPr lang="en-US" dirty="0"/>
                         <a:t>List points</a:t>
@@ -21621,6 +21701,7 @@
                     <a:bodyPr/>
                     <a:lstStyle/>
                     <a:p>
+                      <a:pPr algn="ctr"/>
                       <a:r>
                         <a:rPr lang="en-US" dirty="0"/>
                         <a:t>0</a:t>
@@ -21634,6 +21715,21 @@
                     <a:bodyPr/>
                     <a:lstStyle/>
                     <a:p>
+                      <a:pPr algn="ctr"/>
+                      <a:r>
+                        <a:rPr lang="en-US" dirty="0"/>
+                        <a:t>-1</a:t>
+                      </a:r>
+                    </a:p>
+                  </a:txBody>
+                  <a:tcPr/>
+                </a:tc>
+                <a:tc>
+                  <a:txBody>
+                    <a:bodyPr/>
+                    <a:lstStyle/>
+                    <a:p>
+                      <a:pPr algn="ctr"/>
                       <a:r>
                         <a:rPr lang="en-US" dirty="0"/>
                         <a:t>{1,2,5,8,19…}</a:t>
@@ -21654,6 +21750,7 @@
                     <a:bodyPr/>
                     <a:lstStyle/>
                     <a:p>
+                      <a:pPr algn="ctr"/>
                       <a:r>
                         <a:rPr lang="en-US" dirty="0"/>
                         <a:t>1</a:t>
@@ -21667,7 +21764,37 @@
                     <a:bodyPr/>
                     <a:lstStyle/>
                     <a:p>
-                      <a:pPr marL="0" marR="0" lvl="0" indent="0" algn="l" defTabSz="914400" rtl="0" eaLnBrk="1" fontAlgn="auto" latinLnBrk="0" hangingPunct="1">
+                      <a:pPr marL="0" marR="0" lvl="0" indent="0" algn="ctr" defTabSz="914400" rtl="0" eaLnBrk="1" fontAlgn="auto" latinLnBrk="0" hangingPunct="1">
+                        <a:lnSpc>
+                          <a:spcPct val="100000"/>
+                        </a:lnSpc>
+                        <a:spcBef>
+                          <a:spcPts val="0"/>
+                        </a:spcBef>
+                        <a:spcAft>
+                          <a:spcPts val="0"/>
+                        </a:spcAft>
+                        <a:buClrTx/>
+                        <a:buSzTx/>
+                        <a:buFontTx/>
+                        <a:buNone/>
+                        <a:tabLst/>
+                        <a:defRPr/>
+                      </a:pPr>
+                      <a:r>
+                        <a:rPr lang="en-US" dirty="0"/>
+                        <a:t>+1</a:t>
+                      </a:r>
+                    </a:p>
+                  </a:txBody>
+                  <a:tcPr/>
+                </a:tc>
+                <a:tc>
+                  <a:txBody>
+                    <a:bodyPr/>
+                    <a:lstStyle/>
+                    <a:p>
+                      <a:pPr marL="0" marR="0" lvl="0" indent="0" algn="ctr" defTabSz="914400" rtl="0" eaLnBrk="1" fontAlgn="auto" latinLnBrk="0" hangingPunct="1">
                         <a:lnSpc>
                           <a:spcPct val="100000"/>
                         </a:lnSpc>
@@ -23037,7 +23164,7 @@
           <p:nvPr>
             <p:extLst>
               <p:ext uri="{D42A27DB-BD31-4B8C-83A1-F6EECF244321}">
-                <p14:modId xmlns:p14="http://schemas.microsoft.com/office/powerpoint/2010/main" val="3320822282"/>
+                <p14:modId xmlns:p14="http://schemas.microsoft.com/office/powerpoint/2010/main" val="3376610776"/>
               </p:ext>
             </p:extLst>
           </p:nvPr>
@@ -23074,6 +23201,7 @@
                     <a:bodyPr/>
                     <a:lstStyle/>
                     <a:p>
+                      <a:pPr algn="ctr"/>
                       <a:r>
                         <a:rPr lang="en-US" dirty="0"/>
                         <a:t>Bin index</a:t>
@@ -23087,6 +23215,7 @@
                     <a:bodyPr/>
                     <a:lstStyle/>
                     <a:p>
+                      <a:pPr algn="ctr"/>
                       <a:r>
                         <a:rPr lang="en-US" dirty="0"/>
                         <a:t>List points</a:t>
@@ -23107,6 +23236,7 @@
                     <a:bodyPr/>
                     <a:lstStyle/>
                     <a:p>
+                      <a:pPr algn="ctr"/>
                       <a:r>
                         <a:rPr lang="en-US" dirty="0"/>
                         <a:t>0</a:t>
@@ -23120,6 +23250,7 @@
                     <a:bodyPr/>
                     <a:lstStyle/>
                     <a:p>
+                      <a:pPr algn="ctr"/>
                       <a:r>
                         <a:rPr lang="en-US" dirty="0"/>
                         <a:t>{1,2,5,8,19…}</a:t>
@@ -23140,6 +23271,7 @@
                     <a:bodyPr/>
                     <a:lstStyle/>
                     <a:p>
+                      <a:pPr algn="ctr"/>
                       <a:r>
                         <a:rPr lang="en-US" dirty="0"/>
                         <a:t>1</a:t>
@@ -23153,7 +23285,7 @@
                     <a:bodyPr/>
                     <a:lstStyle/>
                     <a:p>
-                      <a:pPr marL="0" marR="0" lvl="0" indent="0" algn="l" defTabSz="914400" rtl="0" eaLnBrk="1" fontAlgn="auto" latinLnBrk="0" hangingPunct="1">
+                      <a:pPr marL="0" marR="0" lvl="0" indent="0" algn="ctr" defTabSz="914400" rtl="0" eaLnBrk="1" fontAlgn="auto" latinLnBrk="0" hangingPunct="1">
                         <a:lnSpc>
                           <a:spcPct val="100000"/>
                         </a:lnSpc>
@@ -30415,13 +30547,13 @@
         </p:nvSpPr>
         <p:spPr>
           <a:xfrm>
-            <a:off x="1079500" y="3291608"/>
+            <a:off x="1676400" y="2972954"/>
             <a:ext cx="10515600" cy="1876137"/>
           </a:xfrm>
         </p:spPr>
         <p:txBody>
           <a:bodyPr>
-            <a:normAutofit lnSpcReduction="10000"/>
+            <a:normAutofit/>
           </a:bodyPr>
           <a:lstStyle/>
           <a:p>
@@ -30439,7 +30571,7 @@
             </a:pPr>
             <a:r>
               <a:rPr lang="en-US" sz="2000" dirty="0"/>
-              <a:t>-&gt; Bray-Curtis and Jaccard distances precomputed for 6 metagenomes using SIMKA (k-</a:t>
+              <a:t>-&gt; Bray-Curtis distances precomputed for 6 metagenomes using SIMKA (k-</a:t>
             </a:r>
             <a:r>
               <a:rPr lang="en-US" sz="2000" dirty="0" err="1"/>
@@ -30447,7 +30579,7 @@
             </a:r>
             <a:r>
               <a:rPr lang="en-US" sz="2000" dirty="0"/>
-              <a:t> length from 10 to 30bp)</a:t>
+              <a:t> 25bp)</a:t>
             </a:r>
           </a:p>
           <a:p>
@@ -30478,7 +30610,7 @@
         </p:nvSpPr>
         <p:spPr>
           <a:xfrm>
-            <a:off x="990600" y="1625600"/>
+            <a:off x="1587500" y="1306946"/>
             <a:ext cx="6823364" cy="954107"/>
           </a:xfrm>
           <a:prstGeom prst="rect">

--- a/sprint3_retrieval/module3_retrieval.pptx
+++ b/sprint3_retrieval/module3_retrieval.pptx
@@ -302,7 +302,7 @@
           <a:p>
             <a:fld id="{72ED09F7-DFA5-7F4B-8B47-DAE36D9161CE}" type="datetimeFigureOut">
               <a:rPr lang="en-US" smtClean="0"/>
-              <a:t>4/28/20</a:t>
+              <a:t>4/29/20</a:t>
             </a:fld>
             <a:endParaRPr lang="en-US"/>
           </a:p>
@@ -500,7 +500,7 @@
           <a:p>
             <a:fld id="{72ED09F7-DFA5-7F4B-8B47-DAE36D9161CE}" type="datetimeFigureOut">
               <a:rPr lang="en-US" smtClean="0"/>
-              <a:t>4/28/20</a:t>
+              <a:t>4/29/20</a:t>
             </a:fld>
             <a:endParaRPr lang="en-US"/>
           </a:p>
@@ -708,7 +708,7 @@
           <a:p>
             <a:fld id="{72ED09F7-DFA5-7F4B-8B47-DAE36D9161CE}" type="datetimeFigureOut">
               <a:rPr lang="en-US" smtClean="0"/>
-              <a:t>4/28/20</a:t>
+              <a:t>4/29/20</a:t>
             </a:fld>
             <a:endParaRPr lang="en-US"/>
           </a:p>
@@ -906,7 +906,7 @@
           <a:p>
             <a:fld id="{72ED09F7-DFA5-7F4B-8B47-DAE36D9161CE}" type="datetimeFigureOut">
               <a:rPr lang="en-US" smtClean="0"/>
-              <a:t>4/28/20</a:t>
+              <a:t>4/29/20</a:t>
             </a:fld>
             <a:endParaRPr lang="en-US"/>
           </a:p>
@@ -1181,7 +1181,7 @@
           <a:p>
             <a:fld id="{72ED09F7-DFA5-7F4B-8B47-DAE36D9161CE}" type="datetimeFigureOut">
               <a:rPr lang="en-US" smtClean="0"/>
-              <a:t>4/28/20</a:t>
+              <a:t>4/29/20</a:t>
             </a:fld>
             <a:endParaRPr lang="en-US"/>
           </a:p>
@@ -1446,7 +1446,7 @@
           <a:p>
             <a:fld id="{72ED09F7-DFA5-7F4B-8B47-DAE36D9161CE}" type="datetimeFigureOut">
               <a:rPr lang="en-US" smtClean="0"/>
-              <a:t>4/28/20</a:t>
+              <a:t>4/29/20</a:t>
             </a:fld>
             <a:endParaRPr lang="en-US"/>
           </a:p>
@@ -1858,7 +1858,7 @@
           <a:p>
             <a:fld id="{72ED09F7-DFA5-7F4B-8B47-DAE36D9161CE}" type="datetimeFigureOut">
               <a:rPr lang="en-US" smtClean="0"/>
-              <a:t>4/28/20</a:t>
+              <a:t>4/29/20</a:t>
             </a:fld>
             <a:endParaRPr lang="en-US"/>
           </a:p>
@@ -1999,7 +1999,7 @@
           <a:p>
             <a:fld id="{72ED09F7-DFA5-7F4B-8B47-DAE36D9161CE}" type="datetimeFigureOut">
               <a:rPr lang="en-US" smtClean="0"/>
-              <a:t>4/28/20</a:t>
+              <a:t>4/29/20</a:t>
             </a:fld>
             <a:endParaRPr lang="en-US"/>
           </a:p>
@@ -2112,7 +2112,7 @@
           <a:p>
             <a:fld id="{72ED09F7-DFA5-7F4B-8B47-DAE36D9161CE}" type="datetimeFigureOut">
               <a:rPr lang="en-US" smtClean="0"/>
-              <a:t>4/28/20</a:t>
+              <a:t>4/29/20</a:t>
             </a:fld>
             <a:endParaRPr lang="en-US"/>
           </a:p>
@@ -2423,7 +2423,7 @@
           <a:p>
             <a:fld id="{72ED09F7-DFA5-7F4B-8B47-DAE36D9161CE}" type="datetimeFigureOut">
               <a:rPr lang="en-US" smtClean="0"/>
-              <a:t>4/28/20</a:t>
+              <a:t>4/29/20</a:t>
             </a:fld>
             <a:endParaRPr lang="en-US"/>
           </a:p>
@@ -2711,7 +2711,7 @@
           <a:p>
             <a:fld id="{72ED09F7-DFA5-7F4B-8B47-DAE36D9161CE}" type="datetimeFigureOut">
               <a:rPr lang="en-US" smtClean="0"/>
-              <a:t>4/28/20</a:t>
+              <a:t>4/29/20</a:t>
             </a:fld>
             <a:endParaRPr lang="en-US"/>
           </a:p>
@@ -2952,7 +2952,7 @@
           <a:p>
             <a:fld id="{72ED09F7-DFA5-7F4B-8B47-DAE36D9161CE}" type="datetimeFigureOut">
               <a:rPr lang="en-US" smtClean="0"/>
-              <a:t>4/28/20</a:t>
+              <a:t>4/29/20</a:t>
             </a:fld>
             <a:endParaRPr lang="en-US"/>
           </a:p>
@@ -27942,12 +27942,8 @@
           <a:p>
             <a:pPr lvl="1"/>
             <a:r>
-              <a:rPr lang="en-US" sz="2000" dirty="0" err="1"/>
-              <a:t>Euclidiean</a:t>
-            </a:r>
-            <a:r>
               <a:rPr lang="en-US" sz="2000" dirty="0"/>
-              <a:t> distance</a:t>
+              <a:t>Euclidean distance</a:t>
             </a:r>
           </a:p>
           <a:p>
